--- a/documents/화면설계서/20220809_TodoList(v0.5.1).pptx
+++ b/documents/화면설계서/20220809_TodoList(v0.5.1).pptx
@@ -266,7 +266,7 @@
           <a:p>
             <a:fld id="{5898F278-28E9-444D-B2B1-B7A14FF35FDF}" type="datetimeFigureOut">
               <a:rPr lang="ko-KR" altLang="en-US" smtClean="0"/>
-              <a:t>2022-08-09</a:t>
+              <a:t>2022-08-10</a:t>
             </a:fld>
             <a:endParaRPr lang="ko-KR" altLang="en-US"/>
           </a:p>
@@ -464,7 +464,7 @@
           <a:p>
             <a:fld id="{5898F278-28E9-444D-B2B1-B7A14FF35FDF}" type="datetimeFigureOut">
               <a:rPr lang="ko-KR" altLang="en-US" smtClean="0"/>
-              <a:t>2022-08-09</a:t>
+              <a:t>2022-08-10</a:t>
             </a:fld>
             <a:endParaRPr lang="ko-KR" altLang="en-US"/>
           </a:p>
@@ -672,7 +672,7 @@
           <a:p>
             <a:fld id="{5898F278-28E9-444D-B2B1-B7A14FF35FDF}" type="datetimeFigureOut">
               <a:rPr lang="ko-KR" altLang="en-US" smtClean="0"/>
-              <a:t>2022-08-09</a:t>
+              <a:t>2022-08-10</a:t>
             </a:fld>
             <a:endParaRPr lang="ko-KR" altLang="en-US"/>
           </a:p>
@@ -870,7 +870,7 @@
           <a:p>
             <a:fld id="{5898F278-28E9-444D-B2B1-B7A14FF35FDF}" type="datetimeFigureOut">
               <a:rPr lang="ko-KR" altLang="en-US" smtClean="0"/>
-              <a:t>2022-08-09</a:t>
+              <a:t>2022-08-10</a:t>
             </a:fld>
             <a:endParaRPr lang="ko-KR" altLang="en-US"/>
           </a:p>
@@ -1145,7 +1145,7 @@
           <a:p>
             <a:fld id="{5898F278-28E9-444D-B2B1-B7A14FF35FDF}" type="datetimeFigureOut">
               <a:rPr lang="ko-KR" altLang="en-US" smtClean="0"/>
-              <a:t>2022-08-09</a:t>
+              <a:t>2022-08-10</a:t>
             </a:fld>
             <a:endParaRPr lang="ko-KR" altLang="en-US"/>
           </a:p>
@@ -1410,7 +1410,7 @@
           <a:p>
             <a:fld id="{5898F278-28E9-444D-B2B1-B7A14FF35FDF}" type="datetimeFigureOut">
               <a:rPr lang="ko-KR" altLang="en-US" smtClean="0"/>
-              <a:t>2022-08-09</a:t>
+              <a:t>2022-08-10</a:t>
             </a:fld>
             <a:endParaRPr lang="ko-KR" altLang="en-US"/>
           </a:p>
@@ -1822,7 +1822,7 @@
           <a:p>
             <a:fld id="{5898F278-28E9-444D-B2B1-B7A14FF35FDF}" type="datetimeFigureOut">
               <a:rPr lang="ko-KR" altLang="en-US" smtClean="0"/>
-              <a:t>2022-08-09</a:t>
+              <a:t>2022-08-10</a:t>
             </a:fld>
             <a:endParaRPr lang="ko-KR" altLang="en-US"/>
           </a:p>
@@ -1963,7 +1963,7 @@
           <a:p>
             <a:fld id="{5898F278-28E9-444D-B2B1-B7A14FF35FDF}" type="datetimeFigureOut">
               <a:rPr lang="ko-KR" altLang="en-US" smtClean="0"/>
-              <a:t>2022-08-09</a:t>
+              <a:t>2022-08-10</a:t>
             </a:fld>
             <a:endParaRPr lang="ko-KR" altLang="en-US"/>
           </a:p>
@@ -2076,7 +2076,7 @@
           <a:p>
             <a:fld id="{5898F278-28E9-444D-B2B1-B7A14FF35FDF}" type="datetimeFigureOut">
               <a:rPr lang="ko-KR" altLang="en-US" smtClean="0"/>
-              <a:t>2022-08-09</a:t>
+              <a:t>2022-08-10</a:t>
             </a:fld>
             <a:endParaRPr lang="ko-KR" altLang="en-US"/>
           </a:p>
@@ -2387,7 +2387,7 @@
           <a:p>
             <a:fld id="{5898F278-28E9-444D-B2B1-B7A14FF35FDF}" type="datetimeFigureOut">
               <a:rPr lang="ko-KR" altLang="en-US" smtClean="0"/>
-              <a:t>2022-08-09</a:t>
+              <a:t>2022-08-10</a:t>
             </a:fld>
             <a:endParaRPr lang="ko-KR" altLang="en-US"/>
           </a:p>
@@ -2675,7 +2675,7 @@
           <a:p>
             <a:fld id="{5898F278-28E9-444D-B2B1-B7A14FF35FDF}" type="datetimeFigureOut">
               <a:rPr lang="ko-KR" altLang="en-US" smtClean="0"/>
-              <a:t>2022-08-09</a:t>
+              <a:t>2022-08-10</a:t>
             </a:fld>
             <a:endParaRPr lang="ko-KR" altLang="en-US"/>
           </a:p>
@@ -2916,7 +2916,7 @@
           <a:p>
             <a:fld id="{5898F278-28E9-444D-B2B1-B7A14FF35FDF}" type="datetimeFigureOut">
               <a:rPr lang="ko-KR" altLang="en-US" smtClean="0"/>
-              <a:t>2022-08-09</a:t>
+              <a:t>2022-08-10</a:t>
             </a:fld>
             <a:endParaRPr lang="ko-KR" altLang="en-US"/>
           </a:p>
@@ -12778,14 +12778,14 @@
           <p:nvPr>
             <p:extLst>
               <p:ext uri="{D42A27DB-BD31-4B8C-83A1-F6EECF244321}">
-                <p14:modId xmlns:p14="http://schemas.microsoft.com/office/powerpoint/2010/main" val="2392150092"/>
+                <p14:modId xmlns:p14="http://schemas.microsoft.com/office/powerpoint/2010/main" val="442080405"/>
               </p:ext>
             </p:extLst>
           </p:nvPr>
         </p:nvGraphicFramePr>
         <p:xfrm>
           <a:off x="1233474" y="2888051"/>
-          <a:ext cx="3278619" cy="2438400"/>
+          <a:ext cx="3278619" cy="1920240"/>
         </p:xfrm>
         <a:graphic>
           <a:graphicData uri="http://schemas.openxmlformats.org/drawingml/2006/table">
@@ -12941,51 +12941,6 @@
                     <a:bodyPr/>
                     <a:lstStyle/>
                     <a:p>
-                      <a:pPr lvl="0" algn="ctr">
-                        <a:buNone/>
-                      </a:pPr>
-                      <a:r>
-                        <a:rPr lang="en-US" altLang="ko-KR" sz="1400" dirty="0" err="1"/>
-                        <a:t>todo_author</a:t>
-                      </a:r>
-                      <a:endParaRPr lang="ko-KR" altLang="en-US" sz="1400" dirty="0"/>
-                    </a:p>
-                  </a:txBody>
-                  <a:tcPr/>
-                </a:tc>
-                <a:tc>
-                  <a:txBody>
-                    <a:bodyPr/>
-                    <a:lstStyle/>
-                    <a:p>
-                      <a:pPr lvl="0">
-                        <a:buNone/>
-                      </a:pPr>
-                      <a:r>
-                        <a:rPr lang="en-US" altLang="ko-KR" sz="1400" dirty="0"/>
-                        <a:t>varchar(100) </a:t>
-                      </a:r>
-                      <a:r>
-                        <a:rPr lang="en-US" altLang="ko-KR" sz="1400" dirty="0" err="1"/>
-                        <a:t>Notnull</a:t>
-                      </a:r>
-                      <a:endParaRPr lang="ko-KR" altLang="en-US" sz="1400" dirty="0"/>
-                    </a:p>
-                  </a:txBody>
-                  <a:tcPr/>
-                </a:tc>
-                <a:extLst>
-                  <a:ext uri="{0D108BD9-81ED-4DB2-BD59-A6C34878D82A}">
-                    <a16:rowId xmlns:a16="http://schemas.microsoft.com/office/drawing/2014/main" val="2415112225"/>
-                  </a:ext>
-                </a:extLst>
-              </a:tr>
-              <a:tr h="383512">
-                <a:tc>
-                  <a:txBody>
-                    <a:bodyPr/>
-                    <a:lstStyle/>
-                    <a:p>
                       <a:pPr algn="ctr" latinLnBrk="1"/>
                       <a:r>
                         <a:rPr lang="en-US" altLang="ko-KR" sz="1400" dirty="0" err="1"/>
@@ -13043,14 +12998,14 @@
           <p:nvPr>
             <p:extLst>
               <p:ext uri="{D42A27DB-BD31-4B8C-83A1-F6EECF244321}">
-                <p14:modId xmlns:p14="http://schemas.microsoft.com/office/powerpoint/2010/main" val="3027093302"/>
+                <p14:modId xmlns:p14="http://schemas.microsoft.com/office/powerpoint/2010/main" val="3215855453"/>
               </p:ext>
             </p:extLst>
           </p:nvPr>
         </p:nvGraphicFramePr>
         <p:xfrm>
           <a:off x="4546441" y="2880926"/>
-          <a:ext cx="3506554" cy="2443150"/>
+          <a:ext cx="3506554" cy="2017246"/>
         </p:xfrm>
         <a:graphic>
           <a:graphicData uri="http://schemas.openxmlformats.org/drawingml/2006/table">
@@ -13164,37 +13119,6 @@
                 <a:extLst>
                   <a:ext uri="{0D108BD9-81ED-4DB2-BD59-A6C34878D82A}">
                     <a16:rowId xmlns:a16="http://schemas.microsoft.com/office/drawing/2014/main" val="115353870"/>
-                  </a:ext>
-                </a:extLst>
-              </a:tr>
-              <a:tr h="425904">
-                <a:tc>
-                  <a:txBody>
-                    <a:bodyPr/>
-                    <a:lstStyle/>
-                    <a:p>
-                      <a:pPr lvl="0" algn="ctr">
-                        <a:buNone/>
-                      </a:pPr>
-                      <a:r>
-                        <a:rPr lang="en-US" altLang="ko-KR" sz="1400" dirty="0" err="1"/>
-                        <a:t>Todo</a:t>
-                      </a:r>
-                      <a:r>
-                        <a:rPr lang="en-US" altLang="ko-KR" sz="1400" dirty="0"/>
-                        <a:t> </a:t>
-                      </a:r>
-                      <a:r>
-                        <a:rPr lang="ko-KR" altLang="en-US" sz="1400" dirty="0"/>
-                        <a:t>작성자</a:t>
-                      </a:r>
-                    </a:p>
-                  </a:txBody>
-                  <a:tcPr/>
-                </a:tc>
-                <a:extLst>
-                  <a:ext uri="{0D108BD9-81ED-4DB2-BD59-A6C34878D82A}">
-                    <a16:rowId xmlns:a16="http://schemas.microsoft.com/office/drawing/2014/main" val="2415112225"/>
                   </a:ext>
                 </a:extLst>
               </a:tr>
